--- a/Predicting Customer Churn for SyriaTel.pptx
+++ b/Predicting Customer Churn for SyriaTel.pptx
@@ -10,6 +10,16 @@
     <p:sldId id="258" r:id="rId4"/>
     <p:sldId id="259" r:id="rId5"/>
     <p:sldId id="260" r:id="rId6"/>
+    <p:sldId id="261" r:id="rId7"/>
+    <p:sldId id="262" r:id="rId8"/>
+    <p:sldId id="263" r:id="rId9"/>
+    <p:sldId id="264" r:id="rId10"/>
+    <p:sldId id="265" r:id="rId11"/>
+    <p:sldId id="266" r:id="rId12"/>
+    <p:sldId id="267" r:id="rId13"/>
+    <p:sldId id="268" r:id="rId14"/>
+    <p:sldId id="269" r:id="rId15"/>
+    <p:sldId id="270" r:id="rId16"/>
   </p:sldIdLst>
   <p:sldSz cx="9144000" cy="6858000" type="screen4x3"/>
   <p:notesSz cx="6858000" cy="9144000"/>
@@ -3188,6 +3198,714 @@
 </p:sld>
 </file>
 
+<file path=ppt/slides/slide10.xml><?xml version="1.0" encoding="utf-8"?>
+<p:sld xmlns:a="http://schemas.openxmlformats.org/drawingml/2006/main" xmlns:r="http://schemas.openxmlformats.org/officeDocument/2006/relationships" xmlns:p="http://schemas.openxmlformats.org/presentationml/2006/main">
+  <p:cSld>
+    <p:spTree>
+      <p:nvGrpSpPr>
+        <p:cNvPr id="1" name=""/>
+        <p:cNvGrpSpPr/>
+        <p:nvPr/>
+      </p:nvGrpSpPr>
+      <p:grpSpPr>
+        <a:xfrm>
+          <a:off x="0" y="0"/>
+          <a:ext cx="0" cy="0"/>
+          <a:chOff x="0" y="0"/>
+          <a:chExt cx="0" cy="0"/>
+        </a:xfrm>
+      </p:grpSpPr>
+      <p:sp>
+        <p:nvSpPr>
+          <p:cNvPr id="2" name="Title 1"/>
+          <p:cNvSpPr>
+            <a:spLocks noGrp="1"/>
+          </p:cNvSpPr>
+          <p:nvPr>
+            <p:ph type="title"/>
+          </p:nvPr>
+        </p:nvSpPr>
+        <p:spPr/>
+        <p:txBody>
+          <a:bodyPr/>
+          <a:lstStyle/>
+          <a:p>
+            <a:r>
+              <a:rPr lang="en-GB" dirty="0" smtClean="0"/>
+              <a:t>Model </a:t>
+            </a:r>
+            <a:r>
+              <a:rPr lang="en-GB" dirty="0"/>
+              <a:t>Evaluation</a:t>
+            </a:r>
+          </a:p>
+        </p:txBody>
+      </p:sp>
+      <p:sp>
+        <p:nvSpPr>
+          <p:cNvPr id="3" name="Content Placeholder 2"/>
+          <p:cNvSpPr>
+            <a:spLocks noGrp="1"/>
+          </p:cNvSpPr>
+          <p:nvPr>
+            <p:ph idx="1"/>
+          </p:nvPr>
+        </p:nvSpPr>
+        <p:spPr/>
+        <p:txBody>
+          <a:bodyPr/>
+          <a:lstStyle/>
+          <a:p>
+            <a:r>
+              <a:rPr lang="en-GB" b="1" dirty="0"/>
+              <a:t>Metrics</a:t>
+            </a:r>
+            <a:r>
+              <a:rPr lang="en-GB" dirty="0"/>
+              <a:t>: Accuracy, precision, recall, F1 score, and ROC-AUC</a:t>
+            </a:r>
+            <a:r>
+              <a:rPr lang="en-GB" dirty="0" smtClean="0"/>
+              <a:t>.</a:t>
+            </a:r>
+          </a:p>
+          <a:p>
+            <a:r>
+              <a:rPr lang="en-GB" b="1" dirty="0" smtClean="0"/>
+              <a:t>Comparison</a:t>
+            </a:r>
+            <a:r>
+              <a:rPr lang="en-GB" dirty="0"/>
+              <a:t>: Logistic regression outperformed other models</a:t>
+            </a:r>
+            <a:r>
+              <a:rPr lang="en-GB" dirty="0" smtClean="0"/>
+              <a:t>.</a:t>
+            </a:r>
+          </a:p>
+          <a:p>
+            <a:r>
+              <a:rPr lang="en-GB" b="1" dirty="0" smtClean="0"/>
+              <a:t>ROC-AUC</a:t>
+            </a:r>
+            <a:r>
+              <a:rPr lang="en-GB" dirty="0"/>
+              <a:t>: Indicates logistic regression has the best ability to distinguish churners.</a:t>
+            </a:r>
+          </a:p>
+        </p:txBody>
+      </p:sp>
+    </p:spTree>
+    <p:extLst>
+      <p:ext uri="{BB962C8B-B14F-4D97-AF65-F5344CB8AC3E}">
+        <p14:creationId xmlns:p14="http://schemas.microsoft.com/office/powerpoint/2010/main" val="2390688145"/>
+      </p:ext>
+    </p:extLst>
+  </p:cSld>
+  <p:clrMapOvr>
+    <a:masterClrMapping/>
+  </p:clrMapOvr>
+</p:sld>
+</file>
+
+<file path=ppt/slides/slide11.xml><?xml version="1.0" encoding="utf-8"?>
+<p:sld xmlns:a="http://schemas.openxmlformats.org/drawingml/2006/main" xmlns:r="http://schemas.openxmlformats.org/officeDocument/2006/relationships" xmlns:p="http://schemas.openxmlformats.org/presentationml/2006/main">
+  <p:cSld>
+    <p:spTree>
+      <p:nvGrpSpPr>
+        <p:cNvPr id="1" name=""/>
+        <p:cNvGrpSpPr/>
+        <p:nvPr/>
+      </p:nvGrpSpPr>
+      <p:grpSpPr>
+        <a:xfrm>
+          <a:off x="0" y="0"/>
+          <a:ext cx="0" cy="0"/>
+          <a:chOff x="0" y="0"/>
+          <a:chExt cx="0" cy="0"/>
+        </a:xfrm>
+      </p:grpSpPr>
+      <p:sp>
+        <p:nvSpPr>
+          <p:cNvPr id="2" name="Title 1"/>
+          <p:cNvSpPr>
+            <a:spLocks noGrp="1"/>
+          </p:cNvSpPr>
+          <p:nvPr>
+            <p:ph type="title"/>
+          </p:nvPr>
+        </p:nvSpPr>
+        <p:spPr/>
+        <p:txBody>
+          <a:bodyPr/>
+          <a:lstStyle/>
+          <a:p>
+            <a:r>
+              <a:rPr lang="en-GB" dirty="0"/>
+              <a:t>ROC Curve Comparison</a:t>
+            </a:r>
+          </a:p>
+        </p:txBody>
+      </p:sp>
+      <p:sp>
+        <p:nvSpPr>
+          <p:cNvPr id="3" name="Content Placeholder 2"/>
+          <p:cNvSpPr>
+            <a:spLocks noGrp="1"/>
+          </p:cNvSpPr>
+          <p:nvPr>
+            <p:ph idx="1"/>
+          </p:nvPr>
+        </p:nvSpPr>
+        <p:spPr/>
+        <p:txBody>
+          <a:bodyPr/>
+          <a:lstStyle/>
+          <a:p>
+            <a:r>
+              <a:rPr lang="en-GB" dirty="0"/>
+              <a:t>ROC curve compares true positive rate vs. false positive rate</a:t>
+            </a:r>
+            <a:r>
+              <a:rPr lang="en-GB" dirty="0" smtClean="0"/>
+              <a:t>.</a:t>
+            </a:r>
+          </a:p>
+          <a:p>
+            <a:r>
+              <a:rPr lang="en-GB" dirty="0" smtClean="0"/>
+              <a:t>This is the roc-</a:t>
+            </a:r>
+            <a:r>
+              <a:rPr lang="en-GB" dirty="0" err="1" smtClean="0"/>
+              <a:t>auc</a:t>
+            </a:r>
+            <a:r>
+              <a:rPr lang="en-GB" dirty="0" smtClean="0"/>
+              <a:t> curve for the three models</a:t>
+            </a:r>
+          </a:p>
+          <a:p>
+            <a:pPr marL="0" indent="0">
+              <a:buNone/>
+            </a:pPr>
+            <a:endParaRPr lang="en-GB" dirty="0"/>
+          </a:p>
+        </p:txBody>
+      </p:sp>
+      <p:pic>
+        <p:nvPicPr>
+          <p:cNvPr id="4098" name="Picture 2"/>
+          <p:cNvPicPr>
+            <a:picLocks noChangeAspect="1" noChangeArrowheads="1"/>
+          </p:cNvPicPr>
+          <p:nvPr/>
+        </p:nvPicPr>
+        <p:blipFill>
+          <a:blip r:embed="rId2">
+            <a:extLst>
+              <a:ext uri="{28A0092B-C50C-407E-A947-70E740481C1C}">
+                <a14:useLocalDpi xmlns:a14="http://schemas.microsoft.com/office/drawing/2010/main" val="0"/>
+              </a:ext>
+            </a:extLst>
+          </a:blip>
+          <a:srcRect/>
+          <a:stretch>
+            <a:fillRect/>
+          </a:stretch>
+        </p:blipFill>
+        <p:spPr bwMode="auto">
+          <a:xfrm>
+            <a:off x="755576" y="3068960"/>
+            <a:ext cx="4752528" cy="2990062"/>
+          </a:xfrm>
+          <a:prstGeom prst="rect">
+            <a:avLst/>
+          </a:prstGeom>
+          <a:noFill/>
+          <a:ln>
+            <a:noFill/>
+          </a:ln>
+          <a:effectLst/>
+          <a:extLst>
+            <a:ext uri="{909E8E84-426E-40DD-AFC4-6F175D3DCCD1}">
+              <a14:hiddenFill xmlns:a14="http://schemas.microsoft.com/office/drawing/2010/main">
+                <a:solidFill>
+                  <a:schemeClr val="accent1"/>
+                </a:solidFill>
+              </a14:hiddenFill>
+            </a:ext>
+            <a:ext uri="{91240B29-F687-4F45-9708-019B960494DF}">
+              <a14:hiddenLine xmlns:a14="http://schemas.microsoft.com/office/drawing/2010/main" w="9525">
+                <a:solidFill>
+                  <a:schemeClr val="tx1"/>
+                </a:solidFill>
+                <a:miter lim="800000"/>
+                <a:headEnd/>
+                <a:tailEnd/>
+              </a14:hiddenLine>
+            </a:ext>
+            <a:ext uri="{AF507438-7753-43E0-B8FC-AC1667EBCBE1}">
+              <a14:hiddenEffects xmlns:a14="http://schemas.microsoft.com/office/drawing/2010/main">
+                <a:effectLst>
+                  <a:outerShdw dist="35921" dir="2700000" algn="ctr" rotWithShape="0">
+                    <a:schemeClr val="bg2"/>
+                  </a:outerShdw>
+                </a:effectLst>
+              </a14:hiddenEffects>
+            </a:ext>
+          </a:extLst>
+        </p:spPr>
+      </p:pic>
+    </p:spTree>
+    <p:extLst>
+      <p:ext uri="{BB962C8B-B14F-4D97-AF65-F5344CB8AC3E}">
+        <p14:creationId xmlns:p14="http://schemas.microsoft.com/office/powerpoint/2010/main" val="1268103331"/>
+      </p:ext>
+    </p:extLst>
+  </p:cSld>
+  <p:clrMapOvr>
+    <a:masterClrMapping/>
+  </p:clrMapOvr>
+</p:sld>
+</file>
+
+<file path=ppt/slides/slide12.xml><?xml version="1.0" encoding="utf-8"?>
+<p:sld xmlns:a="http://schemas.openxmlformats.org/drawingml/2006/main" xmlns:r="http://schemas.openxmlformats.org/officeDocument/2006/relationships" xmlns:p="http://schemas.openxmlformats.org/presentationml/2006/main">
+  <p:cSld>
+    <p:spTree>
+      <p:nvGrpSpPr>
+        <p:cNvPr id="1" name=""/>
+        <p:cNvGrpSpPr/>
+        <p:nvPr/>
+      </p:nvGrpSpPr>
+      <p:grpSpPr>
+        <a:xfrm>
+          <a:off x="0" y="0"/>
+          <a:ext cx="0" cy="0"/>
+          <a:chOff x="0" y="0"/>
+          <a:chExt cx="0" cy="0"/>
+        </a:xfrm>
+      </p:grpSpPr>
+      <p:sp>
+        <p:nvSpPr>
+          <p:cNvPr id="2" name="Title 1"/>
+          <p:cNvSpPr>
+            <a:spLocks noGrp="1"/>
+          </p:cNvSpPr>
+          <p:nvPr>
+            <p:ph type="title"/>
+          </p:nvPr>
+        </p:nvSpPr>
+        <p:spPr/>
+        <p:txBody>
+          <a:bodyPr/>
+          <a:lstStyle/>
+          <a:p>
+            <a:endParaRPr lang="en-GB"/>
+          </a:p>
+        </p:txBody>
+      </p:sp>
+      <p:sp>
+        <p:nvSpPr>
+          <p:cNvPr id="3" name="Content Placeholder 2"/>
+          <p:cNvSpPr>
+            <a:spLocks noGrp="1"/>
+          </p:cNvSpPr>
+          <p:nvPr>
+            <p:ph idx="1"/>
+          </p:nvPr>
+        </p:nvSpPr>
+        <p:spPr/>
+        <p:txBody>
+          <a:bodyPr/>
+          <a:lstStyle/>
+          <a:p>
+            <a:r>
+              <a:rPr lang="en-GB" dirty="0"/>
+              <a:t>Decision </a:t>
+            </a:r>
+            <a:r>
+              <a:rPr lang="en-GB" dirty="0" smtClean="0"/>
+              <a:t>tree: Highest </a:t>
+            </a:r>
+            <a:r>
+              <a:rPr lang="en-GB" dirty="0"/>
+              <a:t>AUC (Area Under the Curve), indicating strong performance</a:t>
+            </a:r>
+            <a:r>
+              <a:rPr lang="en-GB" dirty="0" smtClean="0"/>
+              <a:t>. </a:t>
+            </a:r>
+          </a:p>
+          <a:p>
+            <a:r>
+              <a:rPr lang="en-GB" dirty="0"/>
+              <a:t>logistic regression </a:t>
+            </a:r>
+            <a:r>
+              <a:rPr lang="en-GB" dirty="0" smtClean="0"/>
+              <a:t> performs well </a:t>
+            </a:r>
+            <a:r>
+              <a:rPr lang="en-GB" dirty="0"/>
+              <a:t>but slightly less effective </a:t>
+            </a:r>
+            <a:r>
+              <a:rPr lang="en-GB" dirty="0" smtClean="0"/>
+              <a:t>than</a:t>
+            </a:r>
+            <a:r>
+              <a:rPr lang="en-GB" dirty="0"/>
+              <a:t> Decision tree</a:t>
+            </a:r>
+            <a:r>
+              <a:rPr lang="en-GB" dirty="0" smtClean="0"/>
+              <a:t>.</a:t>
+            </a:r>
+            <a:endParaRPr lang="en-GB" dirty="0"/>
+          </a:p>
+        </p:txBody>
+      </p:sp>
+    </p:spTree>
+    <p:extLst>
+      <p:ext uri="{BB962C8B-B14F-4D97-AF65-F5344CB8AC3E}">
+        <p14:creationId xmlns:p14="http://schemas.microsoft.com/office/powerpoint/2010/main" val="1086919363"/>
+      </p:ext>
+    </p:extLst>
+  </p:cSld>
+  <p:clrMapOvr>
+    <a:masterClrMapping/>
+  </p:clrMapOvr>
+</p:sld>
+</file>
+
+<file path=ppt/slides/slide13.xml><?xml version="1.0" encoding="utf-8"?>
+<p:sld xmlns:a="http://schemas.openxmlformats.org/drawingml/2006/main" xmlns:r="http://schemas.openxmlformats.org/officeDocument/2006/relationships" xmlns:p="http://schemas.openxmlformats.org/presentationml/2006/main">
+  <p:cSld>
+    <p:spTree>
+      <p:nvGrpSpPr>
+        <p:cNvPr id="1" name=""/>
+        <p:cNvGrpSpPr/>
+        <p:nvPr/>
+      </p:nvGrpSpPr>
+      <p:grpSpPr>
+        <a:xfrm>
+          <a:off x="0" y="0"/>
+          <a:ext cx="0" cy="0"/>
+          <a:chOff x="0" y="0"/>
+          <a:chExt cx="0" cy="0"/>
+        </a:xfrm>
+      </p:grpSpPr>
+      <p:sp>
+        <p:nvSpPr>
+          <p:cNvPr id="2" name="Title 1"/>
+          <p:cNvSpPr>
+            <a:spLocks noGrp="1"/>
+          </p:cNvSpPr>
+          <p:nvPr>
+            <p:ph type="title"/>
+          </p:nvPr>
+        </p:nvSpPr>
+        <p:spPr/>
+        <p:txBody>
+          <a:bodyPr/>
+          <a:lstStyle/>
+          <a:p>
+            <a:r>
+              <a:rPr lang="en-GB" dirty="0"/>
+              <a:t>Conclusion</a:t>
+            </a:r>
+          </a:p>
+        </p:txBody>
+      </p:sp>
+      <p:sp>
+        <p:nvSpPr>
+          <p:cNvPr id="3" name="Content Placeholder 2"/>
+          <p:cNvSpPr>
+            <a:spLocks noGrp="1"/>
+          </p:cNvSpPr>
+          <p:nvPr>
+            <p:ph idx="1"/>
+          </p:nvPr>
+        </p:nvSpPr>
+        <p:spPr/>
+        <p:txBody>
+          <a:bodyPr/>
+          <a:lstStyle/>
+          <a:p>
+            <a:r>
+              <a:rPr lang="en-GB" b="1" dirty="0"/>
+              <a:t>Best Model</a:t>
+            </a:r>
+            <a:r>
+              <a:rPr lang="en-GB" dirty="0"/>
+              <a:t>: Decision tree </a:t>
+            </a:r>
+            <a:r>
+              <a:rPr lang="en-GB" dirty="0" smtClean="0"/>
+              <a:t>provides </a:t>
+            </a:r>
+            <a:r>
+              <a:rPr lang="en-GB" dirty="0"/>
+              <a:t>the most balanced and accurate predictions</a:t>
+            </a:r>
+            <a:r>
+              <a:rPr lang="en-GB" dirty="0" smtClean="0"/>
+              <a:t>.</a:t>
+            </a:r>
+          </a:p>
+          <a:p>
+            <a:r>
+              <a:rPr lang="en-GB" b="1" dirty="0" smtClean="0"/>
+              <a:t>Business </a:t>
+            </a:r>
+            <a:r>
+              <a:rPr lang="en-GB" b="1" dirty="0"/>
+              <a:t>Impact</a:t>
+            </a:r>
+            <a:r>
+              <a:rPr lang="en-GB" dirty="0"/>
+              <a:t>: Helps </a:t>
+            </a:r>
+            <a:r>
+              <a:rPr lang="en-GB" dirty="0" err="1"/>
+              <a:t>SyriaTel</a:t>
+            </a:r>
+            <a:r>
+              <a:rPr lang="en-GB" dirty="0"/>
+              <a:t> identify and retain high-risk customers</a:t>
+            </a:r>
+            <a:r>
+              <a:rPr lang="en-GB" dirty="0" smtClean="0"/>
+              <a:t>.</a:t>
+            </a:r>
+          </a:p>
+          <a:p>
+            <a:r>
+              <a:rPr lang="en-GB" b="1" dirty="0" smtClean="0"/>
+              <a:t>Key </a:t>
+            </a:r>
+            <a:r>
+              <a:rPr lang="en-GB" b="1" dirty="0"/>
+              <a:t>Insight</a:t>
+            </a:r>
+            <a:r>
+              <a:rPr lang="en-GB" dirty="0"/>
+              <a:t>: Data-driven decisions can significantly reduce churn.</a:t>
+            </a:r>
+          </a:p>
+        </p:txBody>
+      </p:sp>
+    </p:spTree>
+    <p:extLst>
+      <p:ext uri="{BB962C8B-B14F-4D97-AF65-F5344CB8AC3E}">
+        <p14:creationId xmlns:p14="http://schemas.microsoft.com/office/powerpoint/2010/main" val="151343350"/>
+      </p:ext>
+    </p:extLst>
+  </p:cSld>
+  <p:clrMapOvr>
+    <a:masterClrMapping/>
+  </p:clrMapOvr>
+</p:sld>
+</file>
+
+<file path=ppt/slides/slide14.xml><?xml version="1.0" encoding="utf-8"?>
+<p:sld xmlns:a="http://schemas.openxmlformats.org/drawingml/2006/main" xmlns:r="http://schemas.openxmlformats.org/officeDocument/2006/relationships" xmlns:p="http://schemas.openxmlformats.org/presentationml/2006/main">
+  <p:cSld>
+    <p:spTree>
+      <p:nvGrpSpPr>
+        <p:cNvPr id="1" name=""/>
+        <p:cNvGrpSpPr/>
+        <p:nvPr/>
+      </p:nvGrpSpPr>
+      <p:grpSpPr>
+        <a:xfrm>
+          <a:off x="0" y="0"/>
+          <a:ext cx="0" cy="0"/>
+          <a:chOff x="0" y="0"/>
+          <a:chExt cx="0" cy="0"/>
+        </a:xfrm>
+      </p:grpSpPr>
+      <p:sp>
+        <p:nvSpPr>
+          <p:cNvPr id="2" name="Title 1"/>
+          <p:cNvSpPr>
+            <a:spLocks noGrp="1"/>
+          </p:cNvSpPr>
+          <p:nvPr>
+            <p:ph type="title"/>
+          </p:nvPr>
+        </p:nvSpPr>
+        <p:spPr/>
+        <p:txBody>
+          <a:bodyPr/>
+          <a:lstStyle/>
+          <a:p>
+            <a:r>
+              <a:rPr lang="en-GB" dirty="0"/>
+              <a:t>Recommendations</a:t>
+            </a:r>
+          </a:p>
+        </p:txBody>
+      </p:sp>
+      <p:sp>
+        <p:nvSpPr>
+          <p:cNvPr id="3" name="Content Placeholder 2"/>
+          <p:cNvSpPr>
+            <a:spLocks noGrp="1"/>
+          </p:cNvSpPr>
+          <p:nvPr>
+            <p:ph idx="1"/>
+          </p:nvPr>
+        </p:nvSpPr>
+        <p:spPr/>
+        <p:txBody>
+          <a:bodyPr/>
+          <a:lstStyle/>
+          <a:p>
+            <a:r>
+              <a:rPr lang="en-GB" b="1" dirty="0"/>
+              <a:t>Target High-Risk Customers</a:t>
+            </a:r>
+            <a:r>
+              <a:rPr lang="en-GB" dirty="0"/>
+              <a:t>: Use model predictions for focused retention efforts</a:t>
+            </a:r>
+            <a:r>
+              <a:rPr lang="en-GB" dirty="0" smtClean="0"/>
+              <a:t>.</a:t>
+            </a:r>
+          </a:p>
+          <a:p>
+            <a:r>
+              <a:rPr lang="en-GB" b="1" dirty="0" smtClean="0"/>
+              <a:t>Personalized </a:t>
+            </a:r>
+            <a:r>
+              <a:rPr lang="en-GB" b="1" dirty="0"/>
+              <a:t>Offers</a:t>
+            </a:r>
+            <a:r>
+              <a:rPr lang="en-GB" dirty="0"/>
+              <a:t>: Provide incentives to prevent churn</a:t>
+            </a:r>
+            <a:r>
+              <a:rPr lang="en-GB" dirty="0" smtClean="0"/>
+              <a:t>.</a:t>
+            </a:r>
+          </a:p>
+          <a:p>
+            <a:r>
+              <a:rPr lang="en-GB" b="1" dirty="0" smtClean="0"/>
+              <a:t>Monitor </a:t>
+            </a:r>
+            <a:r>
+              <a:rPr lang="en-GB" b="1" dirty="0"/>
+              <a:t>and Improve</a:t>
+            </a:r>
+            <a:r>
+              <a:rPr lang="en-GB" dirty="0"/>
+              <a:t>: Continuously refine the model for better accuracy.</a:t>
+            </a:r>
+          </a:p>
+        </p:txBody>
+      </p:sp>
+    </p:spTree>
+    <p:extLst>
+      <p:ext uri="{BB962C8B-B14F-4D97-AF65-F5344CB8AC3E}">
+        <p14:creationId xmlns:p14="http://schemas.microsoft.com/office/powerpoint/2010/main" val="3370444403"/>
+      </p:ext>
+    </p:extLst>
+  </p:cSld>
+  <p:clrMapOvr>
+    <a:masterClrMapping/>
+  </p:clrMapOvr>
+</p:sld>
+</file>
+
+<file path=ppt/slides/slide15.xml><?xml version="1.0" encoding="utf-8"?>
+<p:sld xmlns:a="http://schemas.openxmlformats.org/drawingml/2006/main" xmlns:r="http://schemas.openxmlformats.org/officeDocument/2006/relationships" xmlns:p="http://schemas.openxmlformats.org/presentationml/2006/main">
+  <p:cSld>
+    <p:spTree>
+      <p:nvGrpSpPr>
+        <p:cNvPr id="1" name=""/>
+        <p:cNvGrpSpPr/>
+        <p:nvPr/>
+      </p:nvGrpSpPr>
+      <p:grpSpPr>
+        <a:xfrm>
+          <a:off x="0" y="0"/>
+          <a:ext cx="0" cy="0"/>
+          <a:chOff x="0" y="0"/>
+          <a:chExt cx="0" cy="0"/>
+        </a:xfrm>
+      </p:grpSpPr>
+      <p:sp>
+        <p:nvSpPr>
+          <p:cNvPr id="2" name="Title 1"/>
+          <p:cNvSpPr>
+            <a:spLocks noGrp="1"/>
+          </p:cNvSpPr>
+          <p:nvPr>
+            <p:ph type="title"/>
+          </p:nvPr>
+        </p:nvSpPr>
+        <p:spPr/>
+        <p:txBody>
+          <a:bodyPr/>
+          <a:lstStyle/>
+          <a:p>
+            <a:r>
+              <a:rPr lang="en-GB" dirty="0" smtClean="0"/>
+              <a:t>THE END</a:t>
+            </a:r>
+            <a:endParaRPr lang="en-GB" dirty="0"/>
+          </a:p>
+        </p:txBody>
+      </p:sp>
+      <p:sp>
+        <p:nvSpPr>
+          <p:cNvPr id="3" name="Content Placeholder 2"/>
+          <p:cNvSpPr>
+            <a:spLocks noGrp="1"/>
+          </p:cNvSpPr>
+          <p:nvPr>
+            <p:ph idx="1"/>
+          </p:nvPr>
+        </p:nvSpPr>
+        <p:spPr/>
+        <p:txBody>
+          <a:bodyPr/>
+          <a:lstStyle/>
+          <a:p>
+            <a:r>
+              <a:rPr lang="en-GB" dirty="0" smtClean="0"/>
+              <a:t>Thank you for this opportunity to help you reduce the company churn rate through data analysis insights.</a:t>
+            </a:r>
+          </a:p>
+          <a:p>
+            <a:r>
+              <a:rPr lang="en-GB" dirty="0" smtClean="0"/>
+              <a:t>Q &amp; A</a:t>
+            </a:r>
+            <a:endParaRPr lang="en-GB" dirty="0"/>
+          </a:p>
+        </p:txBody>
+      </p:sp>
+    </p:spTree>
+    <p:extLst>
+      <p:ext uri="{BB962C8B-B14F-4D97-AF65-F5344CB8AC3E}">
+        <p14:creationId xmlns:p14="http://schemas.microsoft.com/office/powerpoint/2010/main" val="2727712124"/>
+      </p:ext>
+    </p:extLst>
+  </p:cSld>
+  <p:clrMapOvr>
+    <a:masterClrMapping/>
+  </p:clrMapOvr>
+</p:sld>
+</file>
+
 <file path=ppt/slides/slide2.xml><?xml version="1.0" encoding="utf-8"?>
 <p:sld xmlns:a="http://schemas.openxmlformats.org/drawingml/2006/main" xmlns:r="http://schemas.openxmlformats.org/officeDocument/2006/relationships" xmlns:p="http://schemas.openxmlformats.org/presentationml/2006/main">
   <p:cSld>
@@ -3579,6 +4297,81 @@
           <a:bodyPr/>
           <a:lstStyle/>
           <a:p>
+            <a:r>
+              <a:rPr lang="en-GB" dirty="0" smtClean="0"/>
+              <a:t>Dataset provided by </a:t>
+            </a:r>
+            <a:r>
+              <a:rPr lang="en-GB" dirty="0" err="1" smtClean="0"/>
+              <a:t>SyriaTel</a:t>
+            </a:r>
+            <a:r>
+              <a:rPr lang="en-GB" dirty="0" smtClean="0"/>
+              <a:t> </a:t>
+            </a:r>
+            <a:r>
+              <a:rPr lang="en-GB" dirty="0"/>
+              <a:t>on url</a:t>
+            </a:r>
+            <a:r>
+              <a:rPr lang="en-GB" dirty="0" smtClean="0"/>
+              <a:t>:’https</a:t>
+            </a:r>
+            <a:r>
+              <a:rPr lang="en-GB" dirty="0"/>
+              <a:t>://</a:t>
+            </a:r>
+            <a:r>
+              <a:rPr lang="en-GB" dirty="0" smtClean="0"/>
+              <a:t>www.kaggle.com/datasets/becksddf/churn-in-telecoms-dataset’</a:t>
+            </a:r>
+            <a:endParaRPr lang="en-GB" dirty="0"/>
+          </a:p>
+          <a:p>
+            <a:r>
+              <a:rPr lang="en-GB" dirty="0" smtClean="0"/>
+              <a:t>Dataset </a:t>
+            </a:r>
+            <a:r>
+              <a:rPr lang="en-GB" dirty="0"/>
+              <a:t>includes customer demographics, account details, and usage metrics</a:t>
+            </a:r>
+            <a:r>
+              <a:rPr lang="en-GB" dirty="0" smtClean="0"/>
+              <a:t>.</a:t>
+            </a:r>
+          </a:p>
+          <a:p>
+            <a:r>
+              <a:rPr lang="en-GB" b="1" dirty="0" smtClean="0"/>
+              <a:t>Key </a:t>
+            </a:r>
+            <a:r>
+              <a:rPr lang="en-GB" b="1" dirty="0"/>
+              <a:t>Features</a:t>
+            </a:r>
+            <a:r>
+              <a:rPr lang="en-GB" dirty="0"/>
+              <a:t>: Age, contract type, monthly charges, and customer service calls</a:t>
+            </a:r>
+            <a:r>
+              <a:rPr lang="en-GB" dirty="0" smtClean="0"/>
+              <a:t>.</a:t>
+            </a:r>
+          </a:p>
+          <a:p>
+            <a:r>
+              <a:rPr lang="en-GB" b="1" dirty="0" smtClean="0"/>
+              <a:t>Target </a:t>
+            </a:r>
+            <a:r>
+              <a:rPr lang="en-GB" b="1" dirty="0"/>
+              <a:t>Variable</a:t>
+            </a:r>
+            <a:r>
+              <a:rPr lang="en-GB" dirty="0"/>
+              <a:t>: Churn (Yes/No)</a:t>
+            </a:r>
             <a:endParaRPr lang="en-GB" dirty="0"/>
           </a:p>
         </p:txBody>
@@ -3587,6 +4380,515 @@
     <p:extLst>
       <p:ext uri="{BB962C8B-B14F-4D97-AF65-F5344CB8AC3E}">
         <p14:creationId xmlns:p14="http://schemas.microsoft.com/office/powerpoint/2010/main" val="2664787542"/>
+      </p:ext>
+    </p:extLst>
+  </p:cSld>
+  <p:clrMapOvr>
+    <a:masterClrMapping/>
+  </p:clrMapOvr>
+</p:sld>
+</file>
+
+<file path=ppt/slides/slide6.xml><?xml version="1.0" encoding="utf-8"?>
+<p:sld xmlns:a="http://schemas.openxmlformats.org/drawingml/2006/main" xmlns:r="http://schemas.openxmlformats.org/officeDocument/2006/relationships" xmlns:p="http://schemas.openxmlformats.org/presentationml/2006/main">
+  <p:cSld>
+    <p:spTree>
+      <p:nvGrpSpPr>
+        <p:cNvPr id="1" name=""/>
+        <p:cNvGrpSpPr/>
+        <p:nvPr/>
+      </p:nvGrpSpPr>
+      <p:grpSpPr>
+        <a:xfrm>
+          <a:off x="0" y="0"/>
+          <a:ext cx="0" cy="0"/>
+          <a:chOff x="0" y="0"/>
+          <a:chExt cx="0" cy="0"/>
+        </a:xfrm>
+      </p:grpSpPr>
+      <p:sp>
+        <p:nvSpPr>
+          <p:cNvPr id="2" name="Title 1"/>
+          <p:cNvSpPr>
+            <a:spLocks noGrp="1"/>
+          </p:cNvSpPr>
+          <p:nvPr>
+            <p:ph type="title"/>
+          </p:nvPr>
+        </p:nvSpPr>
+        <p:spPr/>
+        <p:txBody>
+          <a:bodyPr/>
+          <a:lstStyle/>
+          <a:p>
+            <a:r>
+              <a:rPr lang="en-GB" dirty="0" smtClean="0"/>
+              <a:t>Exploratory </a:t>
+            </a:r>
+            <a:r>
+              <a:rPr lang="en-GB" dirty="0"/>
+              <a:t>Data </a:t>
+            </a:r>
+            <a:r>
+              <a:rPr lang="en-GB" dirty="0" smtClean="0"/>
+              <a:t>Analysis</a:t>
+            </a:r>
+            <a:endParaRPr lang="en-GB" dirty="0"/>
+          </a:p>
+        </p:txBody>
+      </p:sp>
+      <p:sp>
+        <p:nvSpPr>
+          <p:cNvPr id="3" name="Content Placeholder 2"/>
+          <p:cNvSpPr>
+            <a:spLocks noGrp="1"/>
+          </p:cNvSpPr>
+          <p:nvPr>
+            <p:ph idx="1"/>
+          </p:nvPr>
+        </p:nvSpPr>
+        <p:spPr/>
+        <p:txBody>
+          <a:bodyPr/>
+          <a:lstStyle/>
+          <a:p>
+            <a:r>
+              <a:rPr lang="en-GB" dirty="0"/>
+              <a:t>Churn rate in the dataset is around 14.5</a:t>
+            </a:r>
+            <a:r>
+              <a:rPr lang="en-GB" dirty="0" smtClean="0"/>
+              <a:t>%.</a:t>
+            </a:r>
+          </a:p>
+          <a:p>
+            <a:pPr marL="0" indent="0">
+              <a:buNone/>
+            </a:pPr>
+            <a:r>
+              <a:rPr lang="en-GB" dirty="0" smtClean="0"/>
+              <a:t> This bar plot shows the churn distribution</a:t>
+            </a:r>
+          </a:p>
+          <a:p>
+            <a:pPr marL="0" indent="0">
+              <a:buNone/>
+            </a:pPr>
+            <a:endParaRPr lang="en-GB" dirty="0" smtClean="0"/>
+          </a:p>
+        </p:txBody>
+      </p:sp>
+      <p:pic>
+        <p:nvPicPr>
+          <p:cNvPr id="1026" name="Picture 2"/>
+          <p:cNvPicPr>
+            <a:picLocks noChangeAspect="1" noChangeArrowheads="1"/>
+          </p:cNvPicPr>
+          <p:nvPr/>
+        </p:nvPicPr>
+        <p:blipFill>
+          <a:blip r:embed="rId2">
+            <a:extLst>
+              <a:ext uri="{28A0092B-C50C-407E-A947-70E740481C1C}">
+                <a14:useLocalDpi xmlns:a14="http://schemas.microsoft.com/office/drawing/2010/main" val="0"/>
+              </a:ext>
+            </a:extLst>
+          </a:blip>
+          <a:srcRect/>
+          <a:stretch>
+            <a:fillRect/>
+          </a:stretch>
+        </p:blipFill>
+        <p:spPr bwMode="auto">
+          <a:xfrm>
+            <a:off x="323528" y="2708920"/>
+            <a:ext cx="3714750" cy="2590800"/>
+          </a:xfrm>
+          <a:prstGeom prst="rect">
+            <a:avLst/>
+          </a:prstGeom>
+          <a:noFill/>
+          <a:ln>
+            <a:noFill/>
+          </a:ln>
+          <a:effectLst/>
+          <a:extLst>
+            <a:ext uri="{909E8E84-426E-40DD-AFC4-6F175D3DCCD1}">
+              <a14:hiddenFill xmlns:a14="http://schemas.microsoft.com/office/drawing/2010/main">
+                <a:solidFill>
+                  <a:schemeClr val="accent1"/>
+                </a:solidFill>
+              </a14:hiddenFill>
+            </a:ext>
+            <a:ext uri="{91240B29-F687-4F45-9708-019B960494DF}">
+              <a14:hiddenLine xmlns:a14="http://schemas.microsoft.com/office/drawing/2010/main" w="9525">
+                <a:solidFill>
+                  <a:schemeClr val="tx1"/>
+                </a:solidFill>
+                <a:miter lim="800000"/>
+                <a:headEnd/>
+                <a:tailEnd/>
+              </a14:hiddenLine>
+            </a:ext>
+            <a:ext uri="{AF507438-7753-43E0-B8FC-AC1667EBCBE1}">
+              <a14:hiddenEffects xmlns:a14="http://schemas.microsoft.com/office/drawing/2010/main">
+                <a:effectLst>
+                  <a:outerShdw dist="35921" dir="2700000" algn="ctr" rotWithShape="0">
+                    <a:schemeClr val="bg2"/>
+                  </a:outerShdw>
+                </a:effectLst>
+              </a14:hiddenEffects>
+            </a:ext>
+          </a:extLst>
+        </p:spPr>
+      </p:pic>
+    </p:spTree>
+    <p:extLst>
+      <p:ext uri="{BB962C8B-B14F-4D97-AF65-F5344CB8AC3E}">
+        <p14:creationId xmlns:p14="http://schemas.microsoft.com/office/powerpoint/2010/main" val="1186752781"/>
+      </p:ext>
+    </p:extLst>
+  </p:cSld>
+  <p:clrMapOvr>
+    <a:masterClrMapping/>
+  </p:clrMapOvr>
+</p:sld>
+</file>
+
+<file path=ppt/slides/slide7.xml><?xml version="1.0" encoding="utf-8"?>
+<p:sld xmlns:a="http://schemas.openxmlformats.org/drawingml/2006/main" xmlns:r="http://schemas.openxmlformats.org/officeDocument/2006/relationships" xmlns:p="http://schemas.openxmlformats.org/presentationml/2006/main">
+  <p:cSld>
+    <p:spTree>
+      <p:nvGrpSpPr>
+        <p:cNvPr id="1" name=""/>
+        <p:cNvGrpSpPr/>
+        <p:nvPr/>
+      </p:nvGrpSpPr>
+      <p:grpSpPr>
+        <a:xfrm>
+          <a:off x="0" y="0"/>
+          <a:ext cx="0" cy="0"/>
+          <a:chOff x="0" y="0"/>
+          <a:chExt cx="0" cy="0"/>
+        </a:xfrm>
+      </p:grpSpPr>
+      <p:sp>
+        <p:nvSpPr>
+          <p:cNvPr id="2" name="Title 1"/>
+          <p:cNvSpPr>
+            <a:spLocks noGrp="1"/>
+          </p:cNvSpPr>
+          <p:nvPr>
+            <p:ph type="title"/>
+          </p:nvPr>
+        </p:nvSpPr>
+        <p:spPr/>
+        <p:txBody>
+          <a:bodyPr/>
+          <a:lstStyle/>
+          <a:p>
+            <a:r>
+              <a:rPr lang="en-GB" dirty="0"/>
+              <a:t>Exploratory Data </a:t>
+            </a:r>
+            <a:r>
+              <a:rPr lang="en-GB" dirty="0" smtClean="0"/>
+              <a:t>Analysis Cont’d</a:t>
+            </a:r>
+            <a:endParaRPr lang="en-GB" dirty="0"/>
+          </a:p>
+        </p:txBody>
+      </p:sp>
+      <p:sp>
+        <p:nvSpPr>
+          <p:cNvPr id="3" name="Content Placeholder 2"/>
+          <p:cNvSpPr>
+            <a:spLocks noGrp="1"/>
+          </p:cNvSpPr>
+          <p:nvPr>
+            <p:ph idx="1"/>
+          </p:nvPr>
+        </p:nvSpPr>
+        <p:spPr/>
+        <p:txBody>
+          <a:bodyPr/>
+          <a:lstStyle/>
+          <a:p>
+            <a:r>
+              <a:rPr lang="en-GB" b="1" dirty="0"/>
+              <a:t>Correlation</a:t>
+            </a:r>
+            <a:r>
+              <a:rPr lang="en-GB" dirty="0"/>
+              <a:t>: Features like tenure and service calls are strongly related to churn</a:t>
+            </a:r>
+            <a:r>
+              <a:rPr lang="en-GB" dirty="0" smtClean="0"/>
+              <a:t>.</a:t>
+            </a:r>
+          </a:p>
+          <a:p>
+            <a:pPr marL="0" indent="0">
+              <a:buNone/>
+            </a:pPr>
+            <a:r>
+              <a:rPr lang="en-GB" dirty="0" smtClean="0"/>
+              <a:t> See the correlation matrix in the next slide</a:t>
+            </a:r>
+          </a:p>
+          <a:p>
+            <a:endParaRPr lang="en-GB" dirty="0"/>
+          </a:p>
+        </p:txBody>
+      </p:sp>
+    </p:spTree>
+    <p:extLst>
+      <p:ext uri="{BB962C8B-B14F-4D97-AF65-F5344CB8AC3E}">
+        <p14:creationId xmlns:p14="http://schemas.microsoft.com/office/powerpoint/2010/main" val="1969339990"/>
+      </p:ext>
+    </p:extLst>
+  </p:cSld>
+  <p:clrMapOvr>
+    <a:masterClrMapping/>
+  </p:clrMapOvr>
+</p:sld>
+</file>
+
+<file path=ppt/slides/slide8.xml><?xml version="1.0" encoding="utf-8"?>
+<p:sld xmlns:a="http://schemas.openxmlformats.org/drawingml/2006/main" xmlns:r="http://schemas.openxmlformats.org/officeDocument/2006/relationships" xmlns:p="http://schemas.openxmlformats.org/presentationml/2006/main">
+  <p:cSld>
+    <p:spTree>
+      <p:nvGrpSpPr>
+        <p:cNvPr id="1" name=""/>
+        <p:cNvGrpSpPr/>
+        <p:nvPr/>
+      </p:nvGrpSpPr>
+      <p:grpSpPr>
+        <a:xfrm>
+          <a:off x="0" y="0"/>
+          <a:ext cx="0" cy="0"/>
+          <a:chOff x="0" y="0"/>
+          <a:chExt cx="0" cy="0"/>
+        </a:xfrm>
+      </p:grpSpPr>
+      <p:sp>
+        <p:nvSpPr>
+          <p:cNvPr id="2" name="Title 1"/>
+          <p:cNvSpPr>
+            <a:spLocks noGrp="1"/>
+          </p:cNvSpPr>
+          <p:nvPr>
+            <p:ph type="title"/>
+          </p:nvPr>
+        </p:nvSpPr>
+        <p:spPr/>
+        <p:txBody>
+          <a:bodyPr/>
+          <a:lstStyle/>
+          <a:p>
+            <a:r>
+              <a:rPr lang="en-GB" dirty="0"/>
+              <a:t>Exploratory Data Analysis Cont’d</a:t>
+            </a:r>
+          </a:p>
+        </p:txBody>
+      </p:sp>
+      <p:pic>
+        <p:nvPicPr>
+          <p:cNvPr id="3074" name="Picture 2"/>
+          <p:cNvPicPr>
+            <a:picLocks noGrp="1" noChangeAspect="1" noChangeArrowheads="1"/>
+          </p:cNvPicPr>
+          <p:nvPr>
+            <p:ph idx="1"/>
+          </p:nvPr>
+        </p:nvPicPr>
+        <p:blipFill>
+          <a:blip r:embed="rId2">
+            <a:extLst>
+              <a:ext uri="{28A0092B-C50C-407E-A947-70E740481C1C}">
+                <a14:useLocalDpi xmlns:a14="http://schemas.microsoft.com/office/drawing/2010/main" val="0"/>
+              </a:ext>
+            </a:extLst>
+          </a:blip>
+          <a:srcRect/>
+          <a:stretch>
+            <a:fillRect/>
+          </a:stretch>
+        </p:blipFill>
+        <p:spPr bwMode="auto">
+          <a:xfrm>
+            <a:off x="755576" y="1584387"/>
+            <a:ext cx="6704040" cy="5260502"/>
+          </a:xfrm>
+          <a:prstGeom prst="rect">
+            <a:avLst/>
+          </a:prstGeom>
+          <a:noFill/>
+          <a:ln>
+            <a:noFill/>
+          </a:ln>
+          <a:effectLst/>
+          <a:extLst>
+            <a:ext uri="{909E8E84-426E-40DD-AFC4-6F175D3DCCD1}">
+              <a14:hiddenFill xmlns:a14="http://schemas.microsoft.com/office/drawing/2010/main">
+                <a:solidFill>
+                  <a:schemeClr val="accent1"/>
+                </a:solidFill>
+              </a14:hiddenFill>
+            </a:ext>
+            <a:ext uri="{91240B29-F687-4F45-9708-019B960494DF}">
+              <a14:hiddenLine xmlns:a14="http://schemas.microsoft.com/office/drawing/2010/main" w="9525">
+                <a:solidFill>
+                  <a:schemeClr val="tx1"/>
+                </a:solidFill>
+                <a:miter lim="800000"/>
+                <a:headEnd/>
+                <a:tailEnd/>
+              </a14:hiddenLine>
+            </a:ext>
+            <a:ext uri="{AF507438-7753-43E0-B8FC-AC1667EBCBE1}">
+              <a14:hiddenEffects xmlns:a14="http://schemas.microsoft.com/office/drawing/2010/main">
+                <a:effectLst>
+                  <a:outerShdw dist="35921" dir="2700000" algn="ctr" rotWithShape="0">
+                    <a:schemeClr val="bg2"/>
+                  </a:outerShdw>
+                </a:effectLst>
+              </a14:hiddenEffects>
+            </a:ext>
+          </a:extLst>
+        </p:spPr>
+      </p:pic>
+    </p:spTree>
+    <p:extLst>
+      <p:ext uri="{BB962C8B-B14F-4D97-AF65-F5344CB8AC3E}">
+        <p14:creationId xmlns:p14="http://schemas.microsoft.com/office/powerpoint/2010/main" val="2270506766"/>
+      </p:ext>
+    </p:extLst>
+  </p:cSld>
+  <p:clrMapOvr>
+    <a:masterClrMapping/>
+  </p:clrMapOvr>
+</p:sld>
+</file>
+
+<file path=ppt/slides/slide9.xml><?xml version="1.0" encoding="utf-8"?>
+<p:sld xmlns:a="http://schemas.openxmlformats.org/drawingml/2006/main" xmlns:r="http://schemas.openxmlformats.org/officeDocument/2006/relationships" xmlns:p="http://schemas.openxmlformats.org/presentationml/2006/main">
+  <p:cSld>
+    <p:spTree>
+      <p:nvGrpSpPr>
+        <p:cNvPr id="1" name=""/>
+        <p:cNvGrpSpPr/>
+        <p:nvPr/>
+      </p:nvGrpSpPr>
+      <p:grpSpPr>
+        <a:xfrm>
+          <a:off x="0" y="0"/>
+          <a:ext cx="0" cy="0"/>
+          <a:chOff x="0" y="0"/>
+          <a:chExt cx="0" cy="0"/>
+        </a:xfrm>
+      </p:grpSpPr>
+      <p:sp>
+        <p:nvSpPr>
+          <p:cNvPr id="2" name="Title 1"/>
+          <p:cNvSpPr>
+            <a:spLocks noGrp="1"/>
+          </p:cNvSpPr>
+          <p:nvPr>
+            <p:ph type="title"/>
+          </p:nvPr>
+        </p:nvSpPr>
+        <p:spPr/>
+        <p:txBody>
+          <a:bodyPr/>
+          <a:lstStyle/>
+          <a:p>
+            <a:r>
+              <a:rPr lang="en-GB" dirty="0" err="1"/>
+              <a:t>Modeling</a:t>
+            </a:r>
+            <a:r>
+              <a:rPr lang="en-GB" dirty="0"/>
+              <a:t> Approach</a:t>
+            </a:r>
+          </a:p>
+        </p:txBody>
+      </p:sp>
+      <p:sp>
+        <p:nvSpPr>
+          <p:cNvPr id="3" name="Content Placeholder 2"/>
+          <p:cNvSpPr>
+            <a:spLocks noGrp="1"/>
+          </p:cNvSpPr>
+          <p:nvPr>
+            <p:ph idx="1"/>
+          </p:nvPr>
+        </p:nvSpPr>
+        <p:spPr/>
+        <p:txBody>
+          <a:bodyPr>
+            <a:normAutofit lnSpcReduction="10000"/>
+          </a:bodyPr>
+          <a:lstStyle/>
+          <a:p>
+            <a:r>
+              <a:rPr lang="en-GB" dirty="0" smtClean="0"/>
+              <a:t>The modelling approach was done by having three models as below to pick the best for deployment.</a:t>
+            </a:r>
+          </a:p>
+          <a:p>
+            <a:r>
+              <a:rPr lang="en-GB" b="1" dirty="0"/>
+              <a:t>Baseline Model</a:t>
+            </a:r>
+            <a:r>
+              <a:rPr lang="en-GB" dirty="0"/>
+              <a:t>: Dummy classifier to benchmark performance</a:t>
+            </a:r>
+            <a:r>
+              <a:rPr lang="en-GB" dirty="0" smtClean="0"/>
+              <a:t>.</a:t>
+            </a:r>
+          </a:p>
+          <a:p>
+            <a:r>
+              <a:rPr lang="en-GB" b="1" dirty="0" smtClean="0"/>
+              <a:t>Logistic </a:t>
+            </a:r>
+            <a:r>
+              <a:rPr lang="en-GB" b="1" dirty="0"/>
+              <a:t>Regression</a:t>
+            </a:r>
+            <a:r>
+              <a:rPr lang="en-GB" dirty="0"/>
+              <a:t>: Chosen for its simplicity and effectiveness</a:t>
+            </a:r>
+            <a:r>
+              <a:rPr lang="en-GB" dirty="0" smtClean="0"/>
+              <a:t>.</a:t>
+            </a:r>
+          </a:p>
+          <a:p>
+            <a:r>
+              <a:rPr lang="en-GB" b="1" dirty="0" smtClean="0"/>
+              <a:t>Decision </a:t>
+            </a:r>
+            <a:r>
+              <a:rPr lang="en-GB" b="1" dirty="0"/>
+              <a:t>Tree</a:t>
+            </a:r>
+            <a:r>
+              <a:rPr lang="en-GB" dirty="0"/>
+              <a:t>: Offers interpretability and captures non-linear relationships.</a:t>
+            </a:r>
+          </a:p>
+        </p:txBody>
+      </p:sp>
+    </p:spTree>
+    <p:extLst>
+      <p:ext uri="{BB962C8B-B14F-4D97-AF65-F5344CB8AC3E}">
+        <p14:creationId xmlns:p14="http://schemas.microsoft.com/office/powerpoint/2010/main" val="983355950"/>
       </p:ext>
     </p:extLst>
   </p:cSld>
